--- a/2.1PSS_ Intro to Python.pptx
+++ b/2.1PSS_ Intro to Python.pptx
@@ -25,14 +25,14 @@
       <p:boldItalic r:id="rId11"/>
     </p:embeddedFont>
     <p:embeddedFont>
-      <p:font typeface="Merriweather" panose="020B0604020202020204" charset="0"/>
+      <p:font typeface="Merriweather" pitchFamily="2" charset="77"/>
       <p:regular r:id="rId12"/>
       <p:bold r:id="rId13"/>
       <p:italic r:id="rId14"/>
       <p:boldItalic r:id="rId15"/>
     </p:embeddedFont>
     <p:embeddedFont>
-      <p:font typeface="Roboto" panose="020B0604020202020204" charset="0"/>
+      <p:font typeface="Roboto" panose="02000000000000000000" pitchFamily="2" charset="0"/>
       <p:regular r:id="rId16"/>
       <p:bold r:id="rId17"/>
       <p:italic r:id="rId18"/>
@@ -861,7 +861,7 @@
         </p:nvSpPr>
         <p:spPr>
           <a:xfrm>
-            <a:off x="381300" y="685800"/>
+            <a:off x="381000" y="685800"/>
             <a:ext cx="6096000" cy="3429000"/>
           </a:xfrm>
           <a:custGeom>
@@ -965,7 +965,7 @@
         </p:nvSpPr>
         <p:spPr>
           <a:xfrm>
-            <a:off x="381300" y="685800"/>
+            <a:off x="381000" y="685800"/>
             <a:ext cx="6096000" cy="3429000"/>
           </a:xfrm>
           <a:custGeom>
@@ -8892,7 +8892,104 @@
               <a:buFont typeface="Consolas"/>
               <a:buAutoNum type="arabicPeriod"/>
             </a:pPr>
-            <a:endParaRPr sz="1000">
+            <a:r>
+              <a:rPr lang="en-US" sz="1000" dirty="0">
+                <a:latin typeface="Consolas"/>
+                <a:ea typeface="Consolas"/>
+                <a:cs typeface="Consolas"/>
+                <a:sym typeface="Consolas"/>
+              </a:rPr>
+              <a:t>Clone the repository</a:t>
+            </a:r>
+          </a:p>
+          <a:p>
+            <a:pPr lvl="0" indent="-292100">
+              <a:buSzPts val="1000"/>
+              <a:buFont typeface="Consolas"/>
+              <a:buAutoNum type="arabicPeriod"/>
+            </a:pPr>
+            <a:r>
+              <a:rPr lang="en-US" sz="1000" dirty="0">
+                <a:latin typeface="Consolas"/>
+                <a:ea typeface="Consolas"/>
+                <a:cs typeface="Consolas"/>
+                <a:sym typeface="Consolas"/>
+              </a:rPr>
+              <a:t>Add a file that ends with </a:t>
+            </a:r>
+            <a:r>
+              <a:rPr lang="en-US" sz="1000" dirty="0" err="1">
+                <a:latin typeface="Consolas"/>
+                <a:ea typeface="Consolas"/>
+                <a:cs typeface="Consolas"/>
+                <a:sym typeface="Consolas"/>
+              </a:rPr>
+              <a:t>py</a:t>
+            </a:r>
+            <a:r>
+              <a:rPr lang="en-US" sz="1000" dirty="0">
+                <a:latin typeface="Consolas"/>
+                <a:ea typeface="Consolas"/>
+                <a:cs typeface="Consolas"/>
+                <a:sym typeface="Consolas"/>
+              </a:rPr>
+              <a:t> extensions if not</a:t>
+            </a:r>
+          </a:p>
+          <a:p>
+            <a:pPr lvl="0" indent="-292100">
+              <a:buSzPts val="1000"/>
+              <a:buFont typeface="Consolas"/>
+              <a:buAutoNum type="arabicPeriod"/>
+            </a:pPr>
+            <a:r>
+              <a:rPr lang="en-US" sz="1000" dirty="0">
+                <a:latin typeface="Consolas"/>
+                <a:ea typeface="Consolas"/>
+                <a:cs typeface="Consolas"/>
+                <a:sym typeface="Consolas"/>
+              </a:rPr>
+              <a:t>Add code </a:t>
+            </a:r>
+          </a:p>
+          <a:p>
+            <a:pPr lvl="0" indent="-292100">
+              <a:buSzPts val="1000"/>
+              <a:buFont typeface="Consolas"/>
+              <a:buAutoNum type="arabicPeriod"/>
+            </a:pPr>
+            <a:r>
+              <a:rPr lang="en-US" sz="1000" dirty="0">
+                <a:latin typeface="Consolas"/>
+                <a:ea typeface="Consolas"/>
+                <a:cs typeface="Consolas"/>
+                <a:sym typeface="Consolas"/>
+              </a:rPr>
+              <a:t>Commit the changes </a:t>
+            </a:r>
+          </a:p>
+          <a:p>
+            <a:pPr lvl="0" indent="-292100">
+              <a:buSzPts val="1000"/>
+              <a:buFont typeface="Consolas"/>
+              <a:buAutoNum type="arabicPeriod"/>
+            </a:pPr>
+            <a:r>
+              <a:rPr lang="en-US" sz="1000" dirty="0">
+                <a:latin typeface="Consolas"/>
+                <a:ea typeface="Consolas"/>
+                <a:cs typeface="Consolas"/>
+                <a:sym typeface="Consolas"/>
+              </a:rPr>
+              <a:t>Push</a:t>
+            </a:r>
+          </a:p>
+          <a:p>
+            <a:pPr marL="165100" lvl="0" indent="0">
+              <a:buSzPts val="1000"/>
+              <a:buNone/>
+            </a:pPr>
+            <a:endParaRPr lang="en-US" sz="1000" dirty="0">
               <a:latin typeface="Consolas"/>
               <a:ea typeface="Consolas"/>
               <a:cs typeface="Consolas"/>
@@ -9078,7 +9175,65 @@
               <a:buFont typeface="Consolas"/>
               <a:buAutoNum type="arabicPeriod"/>
             </a:pPr>
-            <a:endParaRPr sz="1200">
+            <a:r>
+              <a:rPr lang="en-US" sz="1200" dirty="0">
+                <a:latin typeface="Consolas"/>
+                <a:ea typeface="Consolas"/>
+                <a:cs typeface="Consolas"/>
+                <a:sym typeface="Consolas"/>
+              </a:rPr>
+              <a:t>By terminal </a:t>
+            </a:r>
+          </a:p>
+          <a:p>
+            <a:pPr marL="457200" lvl="0" indent="-304800" algn="l" rtl="0">
+              <a:spcBef>
+                <a:spcPts val="0"/>
+              </a:spcBef>
+              <a:spcAft>
+                <a:spcPts val="0"/>
+              </a:spcAft>
+              <a:buSzPts val="1200"/>
+              <a:buFont typeface="Consolas"/>
+              <a:buAutoNum type="arabicPeriod"/>
+            </a:pPr>
+            <a:r>
+              <a:rPr lang="en-US" sz="1200" dirty="0">
+                <a:latin typeface="Consolas"/>
+                <a:ea typeface="Consolas"/>
+                <a:cs typeface="Consolas"/>
+                <a:sym typeface="Consolas"/>
+              </a:rPr>
+              <a:t>By python IDES example, </a:t>
+            </a:r>
+            <a:r>
+              <a:rPr lang="en-US" sz="1200" dirty="0" err="1">
+                <a:latin typeface="Consolas"/>
+                <a:ea typeface="Consolas"/>
+                <a:cs typeface="Consolas"/>
+                <a:sym typeface="Consolas"/>
+              </a:rPr>
+              <a:t>pycharm</a:t>
+            </a:r>
+            <a:r>
+              <a:rPr lang="en-US" sz="1200" dirty="0">
+                <a:latin typeface="Consolas"/>
+                <a:ea typeface="Consolas"/>
+                <a:cs typeface="Consolas"/>
+                <a:sym typeface="Consolas"/>
+              </a:rPr>
+              <a:t> ,</a:t>
+            </a:r>
+            <a:r>
+              <a:rPr lang="en-US" sz="1200" dirty="0" err="1">
+                <a:latin typeface="Consolas"/>
+                <a:ea typeface="Consolas"/>
+                <a:cs typeface="Consolas"/>
+                <a:sym typeface="Consolas"/>
+              </a:rPr>
+              <a:t>vso</a:t>
+            </a:r>
+            <a:endParaRPr lang="en-US" sz="1200" dirty="0">
               <a:latin typeface="Consolas"/>
               <a:ea typeface="Consolas"/>
               <a:cs typeface="Consolas"/>
@@ -9122,10 +9277,10 @@
               <a:buNone/>
             </a:pPr>
             <a:r>
-              <a:rPr lang="en"/>
+              <a:rPr lang="en" dirty="0"/>
               <a:t>There are at least 3 different ways to execute a Python program discussed during today’s lecture. List as many as you can remember along with at least one pro and one con for each. </a:t>
             </a:r>
-            <a:endParaRPr/>
+            <a:endParaRPr dirty="0"/>
           </a:p>
           <a:p>
             <a:pPr marL="0" lvl="0" indent="0" algn="l" rtl="0">
@@ -9138,10 +9293,10 @@
               <a:buNone/>
             </a:pPr>
             <a:r>
-              <a:rPr lang="en"/>
+              <a:rPr lang="en" dirty="0"/>
               <a:t>Indicate which option each team member prefers the most and plans to use during class and/or on their assignments.</a:t>
             </a:r>
-            <a:endParaRPr/>
+            <a:endParaRPr dirty="0"/>
           </a:p>
         </p:txBody>
       </p:sp>
@@ -9330,6 +9485,130 @@
           </a:bodyPr>
           <a:lstStyle/>
           <a:p>
+            <a:r>
+              <a:rPr lang="en-US" dirty="0"/>
+              <a:t>num = 9</a:t>
+            </a:r>
+          </a:p>
+          <a:p>
+            <a:br>
+              <a:rPr lang="en-US" dirty="0"/>
+            </a:br>
+            <a:r>
+              <a:rPr lang="en-US" dirty="0"/>
+              <a:t>for </a:t>
+            </a:r>
+            <a:r>
+              <a:rPr lang="en-US" dirty="0" err="1"/>
+              <a:t>i</a:t>
+            </a:r>
+            <a:r>
+              <a:rPr lang="en-US" dirty="0"/>
+              <a:t> in range(1, num+1):</a:t>
+            </a:r>
+          </a:p>
+          <a:p>
+            <a:r>
+              <a:rPr lang="en-US" dirty="0" err="1"/>
+              <a:t>i</a:t>
+            </a:r>
+            <a:r>
+              <a:rPr lang="en-US" dirty="0"/>
+              <a:t> = </a:t>
+            </a:r>
+            <a:r>
+              <a:rPr lang="en-US" dirty="0" err="1"/>
+              <a:t>i</a:t>
+            </a:r>
+            <a:r>
+              <a:rPr lang="en-US" dirty="0"/>
+              <a:t> </a:t>
+            </a:r>
+          </a:p>
+          <a:p>
+            <a:r>
+              <a:rPr lang="en-US" dirty="0" err="1"/>
+              <a:t>i</a:t>
+            </a:r>
+            <a:r>
+              <a:rPr lang="en-US" dirty="0"/>
+              <a:t> = </a:t>
+            </a:r>
+            <a:r>
+              <a:rPr lang="en-US" dirty="0" err="1"/>
+              <a:t>i</a:t>
+            </a:r>
+            <a:r>
+              <a:rPr lang="en-US" dirty="0"/>
+              <a:t> - (num//2 +1)</a:t>
+            </a:r>
+          </a:p>
+          <a:p>
+            <a:r>
+              <a:rPr lang="en-US" dirty="0"/>
+              <a:t>if </a:t>
+            </a:r>
+            <a:r>
+              <a:rPr lang="en-US" dirty="0" err="1"/>
+              <a:t>i</a:t>
+            </a:r>
+            <a:r>
+              <a:rPr lang="en-US" dirty="0"/>
+              <a:t> &lt; 0:</a:t>
+            </a:r>
+          </a:p>
+          <a:p>
+            <a:r>
+              <a:rPr lang="en-US" dirty="0" err="1"/>
+              <a:t>i</a:t>
+            </a:r>
+            <a:r>
+              <a:rPr lang="en-US" dirty="0"/>
+              <a:t> = -</a:t>
+            </a:r>
+            <a:r>
+              <a:rPr lang="en-US" dirty="0" err="1"/>
+              <a:t>i</a:t>
+            </a:r>
+            <a:endParaRPr lang="en-US" dirty="0"/>
+          </a:p>
+          <a:p>
+            <a:r>
+              <a:rPr lang="en-US" dirty="0"/>
+              <a:t>print(" " * </a:t>
+            </a:r>
+            <a:r>
+              <a:rPr lang="en-US" dirty="0" err="1"/>
+              <a:t>i</a:t>
+            </a:r>
+            <a:r>
+              <a:rPr lang="en-US" dirty="0"/>
+              <a:t> + "*" * (num - </a:t>
+            </a:r>
+            <a:r>
+              <a:rPr lang="en-US" dirty="0" err="1"/>
+              <a:t>i</a:t>
+            </a:r>
+            <a:r>
+              <a:rPr lang="en-US" dirty="0"/>
+              <a:t>*2) + " "*</a:t>
+            </a:r>
+            <a:r>
+              <a:rPr lang="en-US" dirty="0" err="1"/>
+              <a:t>i</a:t>
+            </a:r>
+            <a:r>
+              <a:rPr lang="en-US" dirty="0"/>
+              <a:t>)</a:t>
+            </a:r>
+          </a:p>
+          <a:p>
+            <a:br>
+              <a:rPr lang="en-US" dirty="0"/>
+            </a:br>
+            <a:endParaRPr lang="en-US" dirty="0"/>
+          </a:p>
+          <a:p>
             <a:pPr marL="0" lvl="0" indent="0" algn="l" rtl="0">
               <a:spcBef>
                 <a:spcPts val="0"/>
@@ -9339,7 +9618,7 @@
               </a:spcAft>
               <a:buNone/>
             </a:pPr>
-            <a:endParaRPr>
+            <a:endParaRPr dirty="0">
               <a:latin typeface="Consolas"/>
               <a:ea typeface="Consolas"/>
               <a:cs typeface="Consolas"/>
@@ -9383,14 +9662,14 @@
               <a:buNone/>
             </a:pPr>
             <a:r>
-              <a:rPr lang="en">
+              <a:rPr lang="en" dirty="0">
                 <a:solidFill>
                   <a:srgbClr val="FFFFFF"/>
                 </a:solidFill>
               </a:rPr>
               <a:t>Below is an example of a diamond shape printed using only the asterisk (*) character.</a:t>
             </a:r>
-            <a:endParaRPr>
+            <a:endParaRPr dirty="0">
               <a:solidFill>
                 <a:srgbClr val="FFFFFF"/>
               </a:solidFill>
@@ -9407,14 +9686,14 @@
               <a:buNone/>
             </a:pPr>
             <a:r>
-              <a:rPr lang="en">
+              <a:rPr lang="en" dirty="0">
                 <a:solidFill>
                   <a:srgbClr val="FFFFFF"/>
                 </a:solidFill>
               </a:rPr>
               <a:t>Choose some other shape and write the code to print it using the character(s) of your choice.</a:t>
             </a:r>
-            <a:endParaRPr>
+            <a:endParaRPr dirty="0">
               <a:solidFill>
                 <a:srgbClr val="FFFFFF"/>
               </a:solidFill>
@@ -9469,7 +9748,7 @@
               <a:buNone/>
             </a:pPr>
             <a:r>
-              <a:rPr lang="en" sz="1200">
+              <a:rPr lang="en" sz="1200" dirty="0">
                 <a:solidFill>
                   <a:srgbClr val="F1C232"/>
                 </a:solidFill>
@@ -9480,7 +9759,7 @@
               </a:rPr>
               <a:t>         *</a:t>
             </a:r>
-            <a:endParaRPr sz="1200">
+            <a:endParaRPr sz="1200" dirty="0">
               <a:solidFill>
                 <a:srgbClr val="F1C232"/>
               </a:solidFill>
@@ -9501,7 +9780,7 @@
               <a:buNone/>
             </a:pPr>
             <a:r>
-              <a:rPr lang="en" sz="1200">
+              <a:rPr lang="en" sz="1200" dirty="0">
                 <a:solidFill>
                   <a:srgbClr val="F1C232"/>
                 </a:solidFill>
@@ -9512,7 +9791,7 @@
               </a:rPr>
               <a:t>        ***</a:t>
             </a:r>
-            <a:endParaRPr sz="1200">
+            <a:endParaRPr sz="1200" dirty="0">
               <a:solidFill>
                 <a:srgbClr val="F1C232"/>
               </a:solidFill>
@@ -9533,7 +9812,7 @@
               <a:buNone/>
             </a:pPr>
             <a:r>
-              <a:rPr lang="en" sz="1200">
+              <a:rPr lang="en" sz="1200" dirty="0">
                 <a:solidFill>
                   <a:srgbClr val="F1C232"/>
                 </a:solidFill>
@@ -9544,7 +9823,7 @@
               </a:rPr>
               <a:t>       *****</a:t>
             </a:r>
-            <a:endParaRPr sz="1200">
+            <a:endParaRPr sz="1200" dirty="0">
               <a:solidFill>
                 <a:srgbClr val="F1C232"/>
               </a:solidFill>
@@ -9565,7 +9844,7 @@
               <a:buNone/>
             </a:pPr>
             <a:r>
-              <a:rPr lang="en" sz="1200">
+              <a:rPr lang="en" sz="1200" dirty="0">
                 <a:solidFill>
                   <a:srgbClr val="F1C232"/>
                 </a:solidFill>
@@ -9576,7 +9855,7 @@
               </a:rPr>
               <a:t>      *******</a:t>
             </a:r>
-            <a:endParaRPr sz="1200">
+            <a:endParaRPr sz="1200" dirty="0">
               <a:solidFill>
                 <a:srgbClr val="F1C232"/>
               </a:solidFill>
@@ -9597,7 +9876,7 @@
               <a:buNone/>
             </a:pPr>
             <a:r>
-              <a:rPr lang="en" sz="1200">
+              <a:rPr lang="en" sz="1200" dirty="0">
                 <a:solidFill>
                   <a:srgbClr val="F1C232"/>
                 </a:solidFill>
@@ -9608,7 +9887,7 @@
               </a:rPr>
               <a:t>     *********</a:t>
             </a:r>
-            <a:endParaRPr sz="1200">
+            <a:endParaRPr sz="1200" dirty="0">
               <a:solidFill>
                 <a:srgbClr val="F1C232"/>
               </a:solidFill>
@@ -9629,7 +9908,7 @@
               <a:buNone/>
             </a:pPr>
             <a:r>
-              <a:rPr lang="en" sz="1200">
+              <a:rPr lang="en" sz="1200" dirty="0">
                 <a:solidFill>
                   <a:srgbClr val="F1C232"/>
                 </a:solidFill>
@@ -9640,7 +9919,7 @@
               </a:rPr>
               <a:t>      *******</a:t>
             </a:r>
-            <a:endParaRPr sz="1200">
+            <a:endParaRPr sz="1200" dirty="0">
               <a:solidFill>
                 <a:srgbClr val="F1C232"/>
               </a:solidFill>
@@ -9661,7 +9940,7 @@
               <a:buNone/>
             </a:pPr>
             <a:r>
-              <a:rPr lang="en" sz="1200">
+              <a:rPr lang="en" sz="1200" dirty="0">
                 <a:solidFill>
                   <a:srgbClr val="F1C232"/>
                 </a:solidFill>
@@ -9672,7 +9951,7 @@
               </a:rPr>
               <a:t>       *****</a:t>
             </a:r>
-            <a:endParaRPr sz="1200">
+            <a:endParaRPr sz="1200" dirty="0">
               <a:solidFill>
                 <a:srgbClr val="F1C232"/>
               </a:solidFill>
@@ -9693,7 +9972,7 @@
               <a:buNone/>
             </a:pPr>
             <a:r>
-              <a:rPr lang="en" sz="1200">
+              <a:rPr lang="en" sz="1200" dirty="0">
                 <a:solidFill>
                   <a:srgbClr val="F1C232"/>
                 </a:solidFill>
@@ -9704,7 +9983,7 @@
               </a:rPr>
               <a:t>        ***</a:t>
             </a:r>
-            <a:endParaRPr sz="1200">
+            <a:endParaRPr sz="1200" dirty="0">
               <a:solidFill>
                 <a:srgbClr val="F1C232"/>
               </a:solidFill>
@@ -9725,7 +10004,7 @@
               <a:buNone/>
             </a:pPr>
             <a:r>
-              <a:rPr lang="en" sz="1200">
+              <a:rPr lang="en" sz="1200" dirty="0">
                 <a:solidFill>
                   <a:srgbClr val="F1C232"/>
                 </a:solidFill>
@@ -9736,7 +10015,7 @@
               </a:rPr>
               <a:t>         *</a:t>
             </a:r>
-            <a:endParaRPr sz="1200">
+            <a:endParaRPr sz="1200" dirty="0">
               <a:solidFill>
                 <a:srgbClr val="F1C232"/>
               </a:solidFill>
@@ -9756,7 +10035,7 @@
               </a:spcAft>
               <a:buNone/>
             </a:pPr>
-            <a:endParaRPr sz="1200">
+            <a:endParaRPr sz="1200" dirty="0">
               <a:solidFill>
                 <a:srgbClr val="F1C232"/>
               </a:solidFill>
@@ -9869,6 +10148,141 @@
           </a:bodyPr>
           <a:lstStyle/>
           <a:p>
+            <a:r>
+              <a:rPr lang="en-US" sz="1050" dirty="0"/>
+              <a:t>"""</a:t>
+            </a:r>
+          </a:p>
+          <a:p>
+            <a:r>
+              <a:rPr lang="en-US" sz="1050" dirty="0"/>
+              <a:t>Enter your home state: NY</a:t>
+            </a:r>
+          </a:p>
+          <a:p>
+            <a:r>
+              <a:rPr lang="en-US" sz="1050" dirty="0"/>
+              <a:t>Enter your home city: West Henrietta</a:t>
+            </a:r>
+          </a:p>
+          <a:p>
+            <a:r>
+              <a:rPr lang="en-US" sz="1050" dirty="0"/>
+              <a:t>Enter your street name: </a:t>
+            </a:r>
+            <a:r>
+              <a:rPr lang="en-US" sz="1050" dirty="0" err="1"/>
+              <a:t>Dutchess</a:t>
+            </a:r>
+            <a:r>
+              <a:rPr lang="en-US" sz="1050" dirty="0"/>
+              <a:t> Rd.</a:t>
+            </a:r>
+          </a:p>
+          <a:p>
+            <a:r>
+              <a:rPr lang="en-US" sz="1050" dirty="0"/>
+              <a:t>Enter your zip code: 14583</a:t>
+            </a:r>
+          </a:p>
+          <a:p>
+            <a:r>
+              <a:rPr lang="en-US" sz="1050" dirty="0"/>
+              <a:t>Enter your house number: 1347</a:t>
+            </a:r>
+          </a:p>
+          <a:p>
+            <a:br>
+              <a:rPr lang="en-US" sz="1050" dirty="0"/>
+            </a:br>
+            <a:r>
+              <a:rPr lang="en-US" sz="1050" dirty="0"/>
+              <a:t>Your mailing address is:</a:t>
+            </a:r>
+          </a:p>
+          <a:p>
+            <a:r>
+              <a:rPr lang="en-US" sz="1050" dirty="0"/>
+              <a:t>1347 </a:t>
+            </a:r>
+            <a:r>
+              <a:rPr lang="en-US" sz="1050" dirty="0" err="1"/>
+              <a:t>Dutchess</a:t>
+            </a:r>
+            <a:r>
+              <a:rPr lang="en-US" sz="1050" dirty="0"/>
+              <a:t> Rd.</a:t>
+            </a:r>
+          </a:p>
+          <a:p>
+            <a:r>
+              <a:rPr lang="en-US" sz="1050" dirty="0"/>
+              <a:t>West Henrietta , NY 14583</a:t>
+            </a:r>
+          </a:p>
+          <a:p>
+            <a:br>
+              <a:rPr lang="en-US" sz="1050" dirty="0"/>
+            </a:br>
+            <a:br>
+              <a:rPr lang="en-US" sz="1050" dirty="0"/>
+            </a:br>
+            <a:r>
+              <a:rPr lang="en-US" sz="1050" dirty="0"/>
+              <a:t>"""</a:t>
+            </a:r>
+          </a:p>
+          <a:p>
+            <a:r>
+              <a:rPr lang="en-US" sz="1050" dirty="0"/>
+              <a:t>state = input("Enter your home state: ")</a:t>
+            </a:r>
+          </a:p>
+          <a:p>
+            <a:r>
+              <a:rPr lang="en-US" sz="1050" dirty="0"/>
+              <a:t>city = input("Enter your home city: ")</a:t>
+            </a:r>
+          </a:p>
+          <a:p>
+            <a:r>
+              <a:rPr lang="en-US" sz="1050" dirty="0"/>
+              <a:t>street = str(input("Enter your street name: "))</a:t>
+            </a:r>
+          </a:p>
+          <a:p>
+            <a:r>
+              <a:rPr lang="en-US" sz="1050" dirty="0"/>
+              <a:t>zip = input("Enter your zip code: ")</a:t>
+            </a:r>
+          </a:p>
+          <a:p>
+            <a:r>
+              <a:rPr lang="en-US" sz="1050" dirty="0"/>
+              <a:t>house = input("Enter your house number: ")</a:t>
+            </a:r>
+          </a:p>
+          <a:p>
+            <a:r>
+              <a:rPr lang="en-US" sz="1050" dirty="0"/>
+              <a:t>print("your </a:t>
+            </a:r>
+            <a:r>
+              <a:rPr lang="en-US" sz="1050" dirty="0" err="1"/>
+              <a:t>maling</a:t>
+            </a:r>
+            <a:r>
+              <a:rPr lang="en-US" sz="1050" dirty="0"/>
+              <a:t> address is: \n "+ house + " " + </a:t>
+            </a:r>
+          </a:p>
+          <a:p>
+            <a:r>
+              <a:rPr lang="en-US" sz="1050" dirty="0"/>
+              <a:t>street + "\n" + city + " , " + state + " " + zip)</a:t>
+            </a:r>
+          </a:p>
+          <a:p>
             <a:pPr marL="0" lvl="0" indent="0" algn="l" rtl="0">
               <a:spcBef>
                 <a:spcPts val="0"/>
@@ -9878,7 +10292,7 @@
               </a:spcAft>
               <a:buNone/>
             </a:pPr>
-            <a:endParaRPr>
+            <a:endParaRPr sz="1050" dirty="0">
               <a:latin typeface="Consolas"/>
               <a:ea typeface="Consolas"/>
               <a:cs typeface="Consolas"/>
@@ -9964,10 +10378,10 @@
               <a:buNone/>
             </a:pPr>
             <a:r>
-              <a:rPr lang="en"/>
+              <a:rPr lang="en" dirty="0"/>
               <a:t>Write the code to prompt the user to enter the two letter abbreviation for their home state (e.g. "NY"), home city, street name, zip code, and house number (in that order). Then print their properly formatted mailing address.</a:t>
             </a:r>
-            <a:endParaRPr/>
+            <a:endParaRPr dirty="0"/>
           </a:p>
         </p:txBody>
       </p:sp>
@@ -10018,7 +10432,7 @@
               <a:buNone/>
             </a:pPr>
             <a:r>
-              <a:rPr lang="en" sz="1200">
+              <a:rPr lang="en" sz="1200" dirty="0">
                 <a:solidFill>
                   <a:srgbClr val="F1C232"/>
                 </a:solidFill>
@@ -10029,7 +10443,7 @@
               </a:rPr>
               <a:t>Enter your home state: NY</a:t>
             </a:r>
-            <a:endParaRPr sz="1200">
+            <a:endParaRPr sz="1200" dirty="0">
               <a:solidFill>
                 <a:srgbClr val="F1C232"/>
               </a:solidFill>
@@ -10050,7 +10464,7 @@
               <a:buNone/>
             </a:pPr>
             <a:r>
-              <a:rPr lang="en" sz="1200">
+              <a:rPr lang="en" sz="1200" dirty="0">
                 <a:solidFill>
                   <a:srgbClr val="F1C232"/>
                 </a:solidFill>
@@ -10061,7 +10475,7 @@
               </a:rPr>
               <a:t>Enter your home city: West Henrietta</a:t>
             </a:r>
-            <a:endParaRPr sz="1200">
+            <a:endParaRPr sz="1200" dirty="0">
               <a:solidFill>
                 <a:srgbClr val="F1C232"/>
               </a:solidFill>
@@ -10082,7 +10496,7 @@
               <a:buNone/>
             </a:pPr>
             <a:r>
-              <a:rPr lang="en" sz="1200">
+              <a:rPr lang="en" sz="1200" dirty="0">
                 <a:solidFill>
                   <a:srgbClr val="F1C232"/>
                 </a:solidFill>
@@ -10091,9 +10505,33 @@
                 <a:cs typeface="Consolas"/>
                 <a:sym typeface="Consolas"/>
               </a:rPr>
-              <a:t>Enter your street name: Dutchess Rd.</a:t>
+              <a:t>Enter your street name: </a:t>
             </a:r>
-            <a:endParaRPr sz="1200">
+            <a:r>
+              <a:rPr lang="en" sz="1200" dirty="0" err="1">
+                <a:solidFill>
+                  <a:srgbClr val="F1C232"/>
+                </a:solidFill>
+                <a:latin typeface="Consolas"/>
+                <a:ea typeface="Consolas"/>
+                <a:cs typeface="Consolas"/>
+                <a:sym typeface="Consolas"/>
+              </a:rPr>
+              <a:t>Dutchess</a:t>
+            </a:r>
+            <a:r>
+              <a:rPr lang="en" sz="1200" dirty="0">
+                <a:solidFill>
+                  <a:srgbClr val="F1C232"/>
+                </a:solidFill>
+                <a:latin typeface="Consolas"/>
+                <a:ea typeface="Consolas"/>
+                <a:cs typeface="Consolas"/>
+                <a:sym typeface="Consolas"/>
+              </a:rPr>
+              <a:t> Rd.</a:t>
+            </a:r>
+            <a:endParaRPr sz="1200" dirty="0">
               <a:solidFill>
                 <a:srgbClr val="F1C232"/>
               </a:solidFill>
@@ -10114,7 +10552,7 @@
               <a:buNone/>
             </a:pPr>
             <a:r>
-              <a:rPr lang="en" sz="1200">
+              <a:rPr lang="en" sz="1200" dirty="0">
                 <a:solidFill>
                   <a:srgbClr val="F1C232"/>
                 </a:solidFill>
@@ -10125,7 +10563,7 @@
               </a:rPr>
               <a:t>Enter your zip code: 14583</a:t>
             </a:r>
-            <a:endParaRPr sz="1200">
+            <a:endParaRPr sz="1200" dirty="0">
               <a:solidFill>
                 <a:srgbClr val="F1C232"/>
               </a:solidFill>
@@ -10146,7 +10584,7 @@
               <a:buNone/>
             </a:pPr>
             <a:r>
-              <a:rPr lang="en" sz="1200">
+              <a:rPr lang="en" sz="1200" dirty="0">
                 <a:solidFill>
                   <a:srgbClr val="F1C232"/>
                 </a:solidFill>
@@ -10157,7 +10595,7 @@
               </a:rPr>
               <a:t>Enter your house number: 1347</a:t>
             </a:r>
-            <a:endParaRPr sz="1200">
+            <a:endParaRPr sz="1200" dirty="0">
               <a:solidFill>
                 <a:srgbClr val="F1C232"/>
               </a:solidFill>
@@ -10177,7 +10615,7 @@
               </a:spcAft>
               <a:buNone/>
             </a:pPr>
-            <a:endParaRPr sz="1200">
+            <a:endParaRPr sz="1200" dirty="0">
               <a:solidFill>
                 <a:srgbClr val="F1C232"/>
               </a:solidFill>
@@ -10198,7 +10636,7 @@
               <a:buNone/>
             </a:pPr>
             <a:r>
-              <a:rPr lang="en" sz="1200">
+              <a:rPr lang="en" sz="1200" dirty="0">
                 <a:solidFill>
                   <a:srgbClr val="F1C232"/>
                 </a:solidFill>
@@ -10209,7 +10647,7 @@
               </a:rPr>
               <a:t>Your mailing address is:</a:t>
             </a:r>
-            <a:endParaRPr sz="1200">
+            <a:endParaRPr sz="1200" dirty="0">
               <a:solidFill>
                 <a:srgbClr val="F1C232"/>
               </a:solidFill>
@@ -10230,7 +10668,7 @@
               <a:buNone/>
             </a:pPr>
             <a:r>
-              <a:rPr lang="en" sz="1200">
+              <a:rPr lang="en" sz="1200" dirty="0">
                 <a:solidFill>
                   <a:srgbClr val="F1C232"/>
                 </a:solidFill>
@@ -10239,9 +10677,33 @@
                 <a:cs typeface="Consolas"/>
                 <a:sym typeface="Consolas"/>
               </a:rPr>
-              <a:t>1347 Dutchess Rd.</a:t>
+              <a:t>1347 </a:t>
             </a:r>
-            <a:endParaRPr sz="1200">
+            <a:r>
+              <a:rPr lang="en" sz="1200" dirty="0" err="1">
+                <a:solidFill>
+                  <a:srgbClr val="F1C232"/>
+                </a:solidFill>
+                <a:latin typeface="Consolas"/>
+                <a:ea typeface="Consolas"/>
+                <a:cs typeface="Consolas"/>
+                <a:sym typeface="Consolas"/>
+              </a:rPr>
+              <a:t>Dutchess</a:t>
+            </a:r>
+            <a:r>
+              <a:rPr lang="en" sz="1200" dirty="0">
+                <a:solidFill>
+                  <a:srgbClr val="F1C232"/>
+                </a:solidFill>
+                <a:latin typeface="Consolas"/>
+                <a:ea typeface="Consolas"/>
+                <a:cs typeface="Consolas"/>
+                <a:sym typeface="Consolas"/>
+              </a:rPr>
+              <a:t> Rd.</a:t>
+            </a:r>
+            <a:endParaRPr sz="1200" dirty="0">
               <a:solidFill>
                 <a:srgbClr val="F1C232"/>
               </a:solidFill>
@@ -10262,7 +10724,7 @@
               <a:buNone/>
             </a:pPr>
             <a:r>
-              <a:rPr lang="en" sz="1200">
+              <a:rPr lang="en" sz="1200" dirty="0">
                 <a:solidFill>
                   <a:srgbClr val="F1C232"/>
                 </a:solidFill>
@@ -10273,7 +10735,7 @@
               </a:rPr>
               <a:t>West Henrietta , NY 14583</a:t>
             </a:r>
-            <a:endParaRPr sz="1200">
+            <a:endParaRPr sz="1200" dirty="0">
               <a:solidFill>
                 <a:srgbClr val="F1C232"/>
               </a:solidFill>
@@ -10293,7 +10755,7 @@
               </a:spcAft>
               <a:buNone/>
             </a:pPr>
-            <a:endParaRPr sz="1200">
+            <a:endParaRPr sz="1200" dirty="0">
               <a:solidFill>
                 <a:srgbClr val="F1C232"/>
               </a:solidFill>
